--- a/LANDLORDS.pptx
+++ b/LANDLORDS.pptx
@@ -12,8 +12,10 @@
     <p:sldId id="266" r:id="rId6"/>
     <p:sldId id="268" r:id="rId7"/>
     <p:sldId id="269" r:id="rId8"/>
-    <p:sldId id="267" r:id="rId9"/>
-    <p:sldId id="264" r:id="rId10"/>
+    <p:sldId id="270" r:id="rId9"/>
+    <p:sldId id="271" r:id="rId10"/>
+    <p:sldId id="267" r:id="rId11"/>
+    <p:sldId id="264" r:id="rId12"/>
   </p:sldIdLst>
   <p:sldSz cx="12192000" cy="6858000"/>
   <p:notesSz cx="6858000" cy="9144000"/>
@@ -3358,7 +3360,7 @@
         </p:spPr>
         <p:txBody>
           <a:bodyPr>
-            <a:normAutofit lnSpcReduction="10000"/>
+            <a:normAutofit fontScale="85000" lnSpcReduction="20000"/>
           </a:bodyPr>
           <a:lstStyle/>
           <a:p>
@@ -3393,7 +3395,7 @@
               <a:buNone/>
             </a:pPr>
             <a:r>
-              <a:rPr lang="en-US" sz="2200" dirty="0"/>
+              <a:rPr lang="en-US" sz="2600" dirty="0"/>
               <a:t>Do you think more evictions take place in areas with high crime? </a:t>
             </a:r>
           </a:p>
@@ -3401,14 +3403,14 @@
             <a:pPr marL="0" indent="0" algn="ctr">
               <a:buNone/>
             </a:pPr>
-            <a:endParaRPr lang="en-US" sz="2200" dirty="0"/>
+            <a:endParaRPr lang="en-US" sz="2600" dirty="0"/>
           </a:p>
           <a:p>
             <a:pPr marL="0" indent="0" algn="ctr">
               <a:buNone/>
             </a:pPr>
             <a:r>
-              <a:rPr lang="en-US" sz="2200" dirty="0"/>
+              <a:rPr lang="en-US" sz="2600" dirty="0"/>
               <a:t>Do you think access to public transportation, like subways might decrease evictions?</a:t>
             </a:r>
           </a:p>
@@ -3416,14 +3418,14 @@
             <a:pPr marL="0" indent="0" algn="ctr">
               <a:buNone/>
             </a:pPr>
-            <a:endParaRPr lang="en-US" sz="2200" dirty="0"/>
+            <a:endParaRPr lang="en-US" sz="2600" dirty="0"/>
           </a:p>
           <a:p>
             <a:pPr marL="0" indent="0" algn="ctr">
               <a:buNone/>
             </a:pPr>
             <a:r>
-              <a:rPr lang="en-US" sz="2200" dirty="0"/>
+              <a:rPr lang="en-US" sz="2600" dirty="0"/>
               <a:t>Do you think fewer evictions would happen where greater access to parks is available—either due to affluence or the mental and physical benefits of green space?</a:t>
             </a:r>
           </a:p>
@@ -3431,14 +3433,29 @@
             <a:pPr marL="0" indent="0" algn="ctr">
               <a:buNone/>
             </a:pPr>
-            <a:endParaRPr lang="en-US" sz="2200" dirty="0"/>
+            <a:endParaRPr lang="en-US" sz="2600" dirty="0"/>
           </a:p>
           <a:p>
             <a:pPr marL="0" indent="0" algn="ctr">
               <a:buNone/>
             </a:pPr>
             <a:r>
-              <a:rPr lang="en-US" sz="2200" dirty="0"/>
+              <a:rPr lang="en-US" sz="2600" dirty="0"/>
+              <a:t>Do you think time of year has any relationship to evictions?</a:t>
+            </a:r>
+          </a:p>
+          <a:p>
+            <a:pPr marL="0" indent="0" algn="ctr">
+              <a:buNone/>
+            </a:pPr>
+            <a:endParaRPr lang="en-US" sz="2600" dirty="0"/>
+          </a:p>
+          <a:p>
+            <a:pPr marL="0" indent="0" algn="ctr">
+              <a:buNone/>
+            </a:pPr>
+            <a:r>
+              <a:rPr lang="en-US" sz="2600" dirty="0"/>
               <a:t>Using data from NYC and elsewhere, our project answered questions like these.</a:t>
             </a:r>
           </a:p>
@@ -3448,6 +3465,202 @@
     <p:extLst>
       <p:ext uri="{BB962C8B-B14F-4D97-AF65-F5344CB8AC3E}">
         <p14:creationId xmlns:p14="http://schemas.microsoft.com/office/powerpoint/2010/main" val="3663532512"/>
+      </p:ext>
+    </p:extLst>
+  </p:cSld>
+  <p:clrMapOvr>
+    <a:masterClrMapping/>
+  </p:clrMapOvr>
+</p:sld>
+</file>
+
+<file path=ppt/slides/slide10.xml><?xml version="1.0" encoding="utf-8"?>
+<p:sld xmlns:a="http://schemas.openxmlformats.org/drawingml/2006/main" xmlns:r="http://schemas.openxmlformats.org/officeDocument/2006/relationships" xmlns:p="http://schemas.openxmlformats.org/presentationml/2006/main">
+  <p:cSld>
+    <p:spTree>
+      <p:nvGrpSpPr>
+        <p:cNvPr id="1" name=""/>
+        <p:cNvGrpSpPr/>
+        <p:nvPr/>
+      </p:nvGrpSpPr>
+      <p:grpSpPr>
+        <a:xfrm>
+          <a:off x="0" y="0"/>
+          <a:ext cx="0" cy="0"/>
+          <a:chOff x="0" y="0"/>
+          <a:chExt cx="0" cy="0"/>
+        </a:xfrm>
+      </p:grpSpPr>
+      <p:sp>
+        <p:nvSpPr>
+          <p:cNvPr id="2" name="Title 1">
+            <a:extLst>
+              <a:ext uri="{FF2B5EF4-FFF2-40B4-BE49-F238E27FC236}">
+                <a16:creationId xmlns:a16="http://schemas.microsoft.com/office/drawing/2014/main" id="{E884D71B-E903-4925-9F7A-2F5D0F767846}"/>
+              </a:ext>
+            </a:extLst>
+          </p:cNvPr>
+          <p:cNvSpPr>
+            <a:spLocks noGrp="1"/>
+          </p:cNvSpPr>
+          <p:nvPr>
+            <p:ph type="title"/>
+          </p:nvPr>
+        </p:nvSpPr>
+        <p:spPr/>
+        <p:txBody>
+          <a:bodyPr>
+            <a:normAutofit/>
+          </a:bodyPr>
+          <a:lstStyle/>
+          <a:p>
+            <a:r>
+              <a:rPr lang="en-US" sz="2800" dirty="0"/>
+              <a:t>Discussion</a:t>
+            </a:r>
+          </a:p>
+        </p:txBody>
+      </p:sp>
+      <p:sp>
+        <p:nvSpPr>
+          <p:cNvPr id="3" name="Content Placeholder 2">
+            <a:extLst>
+              <a:ext uri="{FF2B5EF4-FFF2-40B4-BE49-F238E27FC236}">
+                <a16:creationId xmlns:a16="http://schemas.microsoft.com/office/drawing/2014/main" id="{46C4ED01-BE9E-463A-8796-7FDB392FE6FD}"/>
+              </a:ext>
+            </a:extLst>
+          </p:cNvPr>
+          <p:cNvSpPr>
+            <a:spLocks noGrp="1"/>
+          </p:cNvSpPr>
+          <p:nvPr>
+            <p:ph idx="1"/>
+          </p:nvPr>
+        </p:nvSpPr>
+        <p:spPr/>
+        <p:txBody>
+          <a:bodyPr>
+            <a:noAutofit/>
+          </a:bodyPr>
+          <a:lstStyle/>
+          <a:p>
+            <a:r>
+              <a:rPr lang="en-US" sz="2000" dirty="0"/>
+              <a:t>Discussion</a:t>
+            </a:r>
+          </a:p>
+          <a:p>
+            <a:pPr marL="914400" lvl="2" indent="0">
+              <a:buNone/>
+            </a:pPr>
+            <a:endParaRPr lang="en-US" dirty="0"/>
+          </a:p>
+          <a:p>
+            <a:pPr lvl="1"/>
+            <a:r>
+              <a:rPr lang="en-US" sz="2000" dirty="0"/>
+              <a:t>Evictions and crime seem to be related—in boroughs as crime increases, so too do evictions.</a:t>
+            </a:r>
+          </a:p>
+          <a:p>
+            <a:pPr lvl="1"/>
+            <a:endParaRPr lang="en-US" sz="2000" dirty="0"/>
+          </a:p>
+          <a:p>
+            <a:pPr lvl="1"/>
+            <a:r>
+              <a:rPr lang="en-US" sz="2000" dirty="0"/>
+              <a:t>Data for Subway Entrances &amp; Parks are different from data for Crimes &amp; Evictions. To determine if a relationship exists between parks and subway access, we’d want to look at different data</a:t>
+            </a:r>
+          </a:p>
+          <a:p>
+            <a:pPr lvl="1"/>
+            <a:endParaRPr lang="en-US" sz="2000" dirty="0"/>
+          </a:p>
+          <a:p>
+            <a:pPr lvl="1"/>
+            <a:r>
+              <a:rPr lang="en-US" sz="2000" dirty="0"/>
+              <a:t>Additional questions that came up included new ideas and a few intended to prove out relationships we couldn’t establish in this project. For example:</a:t>
+            </a:r>
+          </a:p>
+          <a:p>
+            <a:pPr lvl="2"/>
+            <a:r>
+              <a:rPr lang="en-US" dirty="0"/>
+              <a:t>Type of crime by borough; demographics of those who are evicted; breaking down which crimes happen where; more carefully defining “crime” so that crimes unrelated to evictions may be excluded</a:t>
+            </a:r>
+          </a:p>
+          <a:p>
+            <a:pPr lvl="1"/>
+            <a:endParaRPr lang="en-US" sz="2000" dirty="0"/>
+          </a:p>
+        </p:txBody>
+      </p:sp>
+    </p:spTree>
+    <p:extLst>
+      <p:ext uri="{BB962C8B-B14F-4D97-AF65-F5344CB8AC3E}">
+        <p14:creationId xmlns:p14="http://schemas.microsoft.com/office/powerpoint/2010/main" val="1891544768"/>
+      </p:ext>
+    </p:extLst>
+  </p:cSld>
+  <p:clrMapOvr>
+    <a:masterClrMapping/>
+  </p:clrMapOvr>
+</p:sld>
+</file>
+
+<file path=ppt/slides/slide11.xml><?xml version="1.0" encoding="utf-8"?>
+<p:sld xmlns:a="http://schemas.openxmlformats.org/drawingml/2006/main" xmlns:r="http://schemas.openxmlformats.org/officeDocument/2006/relationships" xmlns:p="http://schemas.openxmlformats.org/presentationml/2006/main">
+  <p:cSld>
+    <p:spTree>
+      <p:nvGrpSpPr>
+        <p:cNvPr id="1" name=""/>
+        <p:cNvGrpSpPr/>
+        <p:nvPr/>
+      </p:nvGrpSpPr>
+      <p:grpSpPr>
+        <a:xfrm>
+          <a:off x="0" y="0"/>
+          <a:ext cx="0" cy="0"/>
+          <a:chOff x="0" y="0"/>
+          <a:chExt cx="0" cy="0"/>
+        </a:xfrm>
+      </p:grpSpPr>
+      <p:sp>
+        <p:nvSpPr>
+          <p:cNvPr id="2" name="Title 1">
+            <a:extLst>
+              <a:ext uri="{FF2B5EF4-FFF2-40B4-BE49-F238E27FC236}">
+                <a16:creationId xmlns:a16="http://schemas.microsoft.com/office/drawing/2014/main" id="{2FF03005-F92E-442C-8108-03BD3A5E72F3}"/>
+              </a:ext>
+            </a:extLst>
+          </p:cNvPr>
+          <p:cNvSpPr>
+            <a:spLocks noGrp="1"/>
+          </p:cNvSpPr>
+          <p:nvPr>
+            <p:ph type="title"/>
+          </p:nvPr>
+        </p:nvSpPr>
+        <p:spPr/>
+        <p:txBody>
+          <a:bodyPr>
+            <a:normAutofit/>
+          </a:bodyPr>
+          <a:lstStyle/>
+          <a:p>
+            <a:r>
+              <a:rPr lang="en-US" sz="2800" dirty="0"/>
+              <a:t>Questions?</a:t>
+            </a:r>
+          </a:p>
+        </p:txBody>
+      </p:sp>
+    </p:spTree>
+    <p:extLst>
+      <p:ext uri="{BB962C8B-B14F-4D97-AF65-F5344CB8AC3E}">
+        <p14:creationId xmlns:p14="http://schemas.microsoft.com/office/powerpoint/2010/main" val="385391485"/>
       </p:ext>
     </p:extLst>
   </p:cSld>
@@ -3953,14 +4166,19 @@
             <p:ph idx="1"/>
           </p:nvPr>
         </p:nvSpPr>
-        <p:spPr/>
+        <p:spPr>
+          <a:xfrm>
+            <a:off x="838200" y="1342663"/>
+            <a:ext cx="10515600" cy="4834300"/>
+          </a:xfrm>
+        </p:spPr>
         <p:txBody>
           <a:bodyPr>
             <a:normAutofit/>
           </a:bodyPr>
           <a:lstStyle/>
           <a:p>
-            <a:pPr marL="0" indent="0">
+            <a:pPr marL="0" indent="0" algn="ctr">
               <a:buNone/>
             </a:pPr>
             <a:r>
@@ -3999,8 +4217,55 @@
         </p:blipFill>
         <p:spPr bwMode="auto">
           <a:xfrm>
-            <a:off x="838200" y="2591161"/>
-            <a:ext cx="2542309" cy="1784752"/>
+            <a:off x="838200" y="1885105"/>
+            <a:ext cx="1893425" cy="1329222"/>
+          </a:xfrm>
+          <a:prstGeom prst="rect">
+            <a:avLst/>
+          </a:prstGeom>
+          <a:noFill/>
+          <a:extLst>
+            <a:ext uri="{909E8E84-426E-40DD-AFC4-6F175D3DCCD1}">
+              <a14:hiddenFill xmlns:a14="http://schemas.microsoft.com/office/drawing/2010/main">
+                <a:solidFill>
+                  <a:srgbClr val="FFFFFF"/>
+                </a:solidFill>
+              </a14:hiddenFill>
+            </a:ext>
+          </a:extLst>
+        </p:spPr>
+      </p:pic>
+      <p:pic>
+        <p:nvPicPr>
+          <p:cNvPr id="5" name="Picture 2">
+            <a:extLst>
+              <a:ext uri="{FF2B5EF4-FFF2-40B4-BE49-F238E27FC236}">
+                <a16:creationId xmlns:a16="http://schemas.microsoft.com/office/drawing/2014/main" id="{D7E6090C-5EDC-47C7-9DC6-C35CF23ADCFD}"/>
+              </a:ext>
+            </a:extLst>
+          </p:cNvPr>
+          <p:cNvPicPr>
+            <a:picLocks noChangeAspect="1" noChangeArrowheads="1"/>
+          </p:cNvPicPr>
+          <p:nvPr/>
+        </p:nvPicPr>
+        <p:blipFill>
+          <a:blip r:embed="rId3">
+            <a:extLst>
+              <a:ext uri="{28A0092B-C50C-407E-A947-70E740481C1C}">
+                <a14:useLocalDpi xmlns:a14="http://schemas.microsoft.com/office/drawing/2010/main" val="0"/>
+              </a:ext>
+            </a:extLst>
+          </a:blip>
+          <a:srcRect/>
+          <a:stretch>
+            <a:fillRect/>
+          </a:stretch>
+        </p:blipFill>
+        <p:spPr bwMode="auto">
+          <a:xfrm>
+            <a:off x="3611301" y="1885104"/>
+            <a:ext cx="6656977" cy="4794403"/>
           </a:xfrm>
           <a:prstGeom prst="rect">
             <a:avLst/>
@@ -4112,7 +4377,7 @@
           </a:bodyPr>
           <a:lstStyle/>
           <a:p>
-            <a:pPr marL="0" indent="0">
+            <a:pPr marL="0" indent="0" algn="ctr">
               <a:buNone/>
             </a:pPr>
             <a:r>
@@ -4151,8 +4416,53 @@
         </p:blipFill>
         <p:spPr bwMode="auto">
           <a:xfrm>
-            <a:off x="564989" y="2584029"/>
-            <a:ext cx="4533900" cy="2647950"/>
+            <a:off x="702935" y="1831545"/>
+            <a:ext cx="2512253" cy="1467240"/>
+          </a:xfrm>
+          <a:prstGeom prst="rect">
+            <a:avLst/>
+          </a:prstGeom>
+          <a:noFill/>
+          <a:extLst>
+            <a:ext uri="{909E8E84-426E-40DD-AFC4-6F175D3DCCD1}">
+              <a14:hiddenFill xmlns:a14="http://schemas.microsoft.com/office/drawing/2010/main">
+                <a:solidFill>
+                  <a:srgbClr val="FFFFFF"/>
+                </a:solidFill>
+              </a14:hiddenFill>
+            </a:ext>
+          </a:extLst>
+        </p:spPr>
+      </p:pic>
+      <p:pic>
+        <p:nvPicPr>
+          <p:cNvPr id="4" name="Picture 2">
+            <a:extLst>
+              <a:ext uri="{FF2B5EF4-FFF2-40B4-BE49-F238E27FC236}">
+                <a16:creationId xmlns:a16="http://schemas.microsoft.com/office/drawing/2014/main" id="{2E51BCEA-B752-433C-A1A5-42C83F76EB8F}"/>
+              </a:ext>
+            </a:extLst>
+          </p:cNvPr>
+          <p:cNvPicPr>
+            <a:picLocks noChangeAspect="1" noChangeArrowheads="1"/>
+          </p:cNvPicPr>
+          <p:nvPr/>
+        </p:nvPicPr>
+        <p:blipFill rotWithShape="1">
+          <a:blip r:embed="rId3">
+            <a:extLst>
+              <a:ext uri="{28A0092B-C50C-407E-A947-70E740481C1C}">
+                <a14:useLocalDpi xmlns:a14="http://schemas.microsoft.com/office/drawing/2010/main" val="0"/>
+              </a:ext>
+            </a:extLst>
+          </a:blip>
+          <a:srcRect r="43800"/>
+          <a:stretch/>
+        </p:blipFill>
+        <p:spPr bwMode="auto">
+          <a:xfrm>
+            <a:off x="4005859" y="1831545"/>
+            <a:ext cx="6445194" cy="4661330"/>
           </a:xfrm>
           <a:prstGeom prst="rect">
             <a:avLst/>
@@ -4269,14 +4579,13 @@
           </a:bodyPr>
           <a:lstStyle/>
           <a:p>
-            <a:pPr marL="0" indent="0">
+            <a:pPr marL="0" indent="0" algn="ctr">
               <a:buNone/>
             </a:pPr>
             <a:r>
-              <a:rPr lang="en-US" sz="2000"/>
+              <a:rPr lang="en-US" sz="2000" dirty="0"/>
               <a:t>Based on the data, there does not seem to be a relationship between evictions and access to parks.</a:t>
             </a:r>
-            <a:endParaRPr lang="en-US" sz="2000" dirty="0"/>
           </a:p>
         </p:txBody>
       </p:sp>
@@ -4309,8 +4618,8 @@
         </p:blipFill>
         <p:spPr bwMode="auto">
           <a:xfrm>
-            <a:off x="588079" y="2326271"/>
-            <a:ext cx="4371975" cy="2647950"/>
+            <a:off x="467810" y="1661902"/>
+            <a:ext cx="1747089" cy="1058150"/>
           </a:xfrm>
           <a:prstGeom prst="rect">
             <a:avLst/>
@@ -4327,6 +4636,85 @@
           </a:extLst>
         </p:spPr>
       </p:pic>
+      <p:pic>
+        <p:nvPicPr>
+          <p:cNvPr id="4" name="Picture 2">
+            <a:extLst>
+              <a:ext uri="{FF2B5EF4-FFF2-40B4-BE49-F238E27FC236}">
+                <a16:creationId xmlns:a16="http://schemas.microsoft.com/office/drawing/2014/main" id="{E22A89CF-22BF-42F4-992C-8E9A22356BD4}"/>
+              </a:ext>
+            </a:extLst>
+          </p:cNvPr>
+          <p:cNvPicPr>
+            <a:picLocks noChangeAspect="1" noChangeArrowheads="1"/>
+          </p:cNvPicPr>
+          <p:nvPr/>
+        </p:nvPicPr>
+        <p:blipFill rotWithShape="1">
+          <a:blip r:embed="rId3">
+            <a:extLst>
+              <a:ext uri="{28A0092B-C50C-407E-A947-70E740481C1C}">
+                <a14:useLocalDpi xmlns:a14="http://schemas.microsoft.com/office/drawing/2010/main" val="0"/>
+              </a:ext>
+            </a:extLst>
+          </a:blip>
+          <a:srcRect t="-3934" r="44145" b="3934"/>
+          <a:stretch/>
+        </p:blipFill>
+        <p:spPr bwMode="auto">
+          <a:xfrm>
+            <a:off x="2679567" y="1389200"/>
+            <a:ext cx="6256825" cy="4640979"/>
+          </a:xfrm>
+          <a:prstGeom prst="rect">
+            <a:avLst/>
+          </a:prstGeom>
+          <a:noFill/>
+          <a:extLst>
+            <a:ext uri="{909E8E84-426E-40DD-AFC4-6F175D3DCCD1}">
+              <a14:hiddenFill xmlns:a14="http://schemas.microsoft.com/office/drawing/2010/main">
+                <a:solidFill>
+                  <a:srgbClr val="FFFFFF"/>
+                </a:solidFill>
+              </a14:hiddenFill>
+            </a:ext>
+          </a:extLst>
+        </p:spPr>
+      </p:pic>
+      <p:sp>
+        <p:nvSpPr>
+          <p:cNvPr id="5" name="Rectangle 4">
+            <a:extLst>
+              <a:ext uri="{FF2B5EF4-FFF2-40B4-BE49-F238E27FC236}">
+                <a16:creationId xmlns:a16="http://schemas.microsoft.com/office/drawing/2014/main" id="{E5BE4787-638E-4C43-88D0-9753E3B6FA2A}"/>
+              </a:ext>
+            </a:extLst>
+          </p:cNvPr>
+          <p:cNvSpPr/>
+          <p:nvPr/>
+        </p:nvSpPr>
+        <p:spPr>
+          <a:xfrm>
+            <a:off x="838200" y="6205893"/>
+            <a:ext cx="5815631" cy="369332"/>
+          </a:xfrm>
+          <a:prstGeom prst="rect">
+            <a:avLst/>
+          </a:prstGeom>
+        </p:spPr>
+        <p:txBody>
+          <a:bodyPr wrap="none">
+            <a:spAutoFit/>
+          </a:bodyPr>
+          <a:lstStyle/>
+          <a:p>
+            <a:r>
+              <a:rPr lang="en-US" i="1" dirty="0"/>
+              <a:t>Circle size is based on the number of crimes in each zip code </a:t>
+            </a:r>
+          </a:p>
+        </p:txBody>
+      </p:sp>
     </p:spTree>
     <p:extLst>
       <p:ext uri="{BB962C8B-B14F-4D97-AF65-F5344CB8AC3E}">
@@ -4373,7 +4761,12 @@
             <p:ph type="title"/>
           </p:nvPr>
         </p:nvSpPr>
-        <p:spPr/>
+        <p:spPr>
+          <a:xfrm>
+            <a:off x="838200" y="365125"/>
+            <a:ext cx="10515600" cy="1325563"/>
+          </a:xfrm>
+        </p:spPr>
         <p:txBody>
           <a:bodyPr>
             <a:normAutofit/>
@@ -4381,9 +4774,16 @@
           <a:lstStyle/>
           <a:p>
             <a:r>
-              <a:rPr lang="en-US" sz="2800" dirty="0"/>
-              <a:t>Discussion</a:t>
-            </a:r>
+              <a:rPr lang="en-US" sz="2800"/>
+              <a:t>Analysis: Does access to parks decrease evictions?</a:t>
+            </a:r>
+            <a:br>
+              <a:rPr lang="en-US" sz="2800"/>
+            </a:br>
+            <a:br>
+              <a:rPr lang="en-US" sz="2800"/>
+            </a:br>
+            <a:endParaRPr lang="en-US" sz="2800" dirty="0"/>
           </a:p>
         </p:txBody>
       </p:sp>
@@ -4403,64 +4803,156 @@
             <p:ph idx="1"/>
           </p:nvPr>
         </p:nvSpPr>
-        <p:spPr/>
+        <p:spPr>
+          <a:xfrm>
+            <a:off x="467810" y="1258466"/>
+            <a:ext cx="10515600" cy="4351338"/>
+          </a:xfrm>
+        </p:spPr>
         <p:txBody>
           <a:bodyPr>
             <a:normAutofit/>
           </a:bodyPr>
           <a:lstStyle/>
           <a:p>
+            <a:pPr marL="0" indent="0" algn="ctr">
+              <a:buNone/>
+            </a:pPr>
             <a:r>
               <a:rPr lang="en-US" sz="2000" dirty="0"/>
-              <a:t>Discussion</a:t>
-            </a:r>
-          </a:p>
-          <a:p>
-            <a:pPr lvl="1"/>
-            <a:r>
-              <a:rPr lang="en-US" sz="2000" dirty="0"/>
-              <a:t>Discuss your findings. Did you find what you expected to find? If not, why not? What inferences or general conclusions can you draw from your analysis?</a:t>
-            </a:r>
-          </a:p>
-          <a:p>
-            <a:pPr lvl="1"/>
-            <a:r>
-              <a:rPr lang="en-US" sz="2000" dirty="0"/>
-              <a:t>Post </a:t>
-            </a:r>
-            <a:r>
-              <a:rPr lang="en-US" sz="2000" dirty="0" err="1"/>
-              <a:t>MortemDiscuss</a:t>
-            </a:r>
-            <a:r>
-              <a:rPr lang="en-US" sz="2000" dirty="0"/>
-              <a:t> any difficulties that arose, and how you dealt with them</a:t>
-            </a:r>
-          </a:p>
-          <a:p>
-            <a:pPr lvl="1"/>
-            <a:r>
-              <a:rPr lang="en-US" sz="2000" dirty="0"/>
-              <a:t>Discuss any additional questions that came up, but which you didn't have time to answer: What would you research next, if you had two more weeks?</a:t>
-            </a:r>
-          </a:p>
-          <a:p>
-            <a:pPr lvl="1"/>
-            <a:r>
-              <a:rPr lang="en-US" sz="2000" dirty="0"/>
-              <a:t>Discuss the implications of your findings. This is where you get to have an open-ended discussion about what your findings "mean". Tell a good story! Storytelling through data analysis is no different than in literature. Find your narrative and use your analysis and visualization skills to highlight conflict and resolution in your data.</a:t>
-            </a:r>
-          </a:p>
-          <a:p>
-            <a:pPr lvl="1"/>
-            <a:endParaRPr lang="en-US" sz="2000" dirty="0"/>
-          </a:p>
-        </p:txBody>
-      </p:sp>
+              <a:t>A closer look at the evictions and parks data, close to the X Y intercept:</a:t>
+            </a:r>
+          </a:p>
+        </p:txBody>
+      </p:sp>
+      <p:pic>
+        <p:nvPicPr>
+          <p:cNvPr id="3076" name="Picture 4">
+            <a:extLst>
+              <a:ext uri="{FF2B5EF4-FFF2-40B4-BE49-F238E27FC236}">
+                <a16:creationId xmlns:a16="http://schemas.microsoft.com/office/drawing/2014/main" id="{4E72D433-2E43-4D4F-8F5F-019C2AEB70E1}"/>
+              </a:ext>
+            </a:extLst>
+          </p:cNvPr>
+          <p:cNvPicPr>
+            <a:picLocks noChangeAspect="1" noChangeArrowheads="1"/>
+          </p:cNvPicPr>
+          <p:nvPr/>
+        </p:nvPicPr>
+        <p:blipFill rotWithShape="1">
+          <a:blip r:embed="rId2">
+            <a:extLst>
+              <a:ext uri="{28A0092B-C50C-407E-A947-70E740481C1C}">
+                <a14:useLocalDpi xmlns:a14="http://schemas.microsoft.com/office/drawing/2010/main" val="0"/>
+              </a:ext>
+            </a:extLst>
+          </a:blip>
+          <a:srcRect r="44513"/>
+          <a:stretch/>
+        </p:blipFill>
+        <p:spPr bwMode="auto">
+          <a:xfrm>
+            <a:off x="2955462" y="1690688"/>
+            <a:ext cx="6027320" cy="4351337"/>
+          </a:xfrm>
+          <a:prstGeom prst="rect">
+            <a:avLst/>
+          </a:prstGeom>
+          <a:noFill/>
+          <a:extLst>
+            <a:ext uri="{909E8E84-426E-40DD-AFC4-6F175D3DCCD1}">
+              <a14:hiddenFill xmlns:a14="http://schemas.microsoft.com/office/drawing/2010/main">
+                <a:solidFill>
+                  <a:srgbClr val="FFFFFF"/>
+                </a:solidFill>
+              </a14:hiddenFill>
+            </a:ext>
+          </a:extLst>
+        </p:spPr>
+      </p:pic>
+      <p:sp>
+        <p:nvSpPr>
+          <p:cNvPr id="5" name="Rectangle 4">
+            <a:extLst>
+              <a:ext uri="{FF2B5EF4-FFF2-40B4-BE49-F238E27FC236}">
+                <a16:creationId xmlns:a16="http://schemas.microsoft.com/office/drawing/2014/main" id="{E5BE4787-638E-4C43-88D0-9753E3B6FA2A}"/>
+              </a:ext>
+            </a:extLst>
+          </p:cNvPr>
+          <p:cNvSpPr/>
+          <p:nvPr/>
+        </p:nvSpPr>
+        <p:spPr>
+          <a:xfrm>
+            <a:off x="838200" y="6205893"/>
+            <a:ext cx="7195368" cy="369332"/>
+          </a:xfrm>
+          <a:prstGeom prst="rect">
+            <a:avLst/>
+          </a:prstGeom>
+        </p:spPr>
+        <p:txBody>
+          <a:bodyPr wrap="none">
+            <a:spAutoFit/>
+          </a:bodyPr>
+          <a:lstStyle/>
+          <a:p>
+            <a:r>
+              <a:rPr lang="en-US" i="1" dirty="0"/>
+              <a:t>Circle size in all graphs is based on the number of crimes in each zip code </a:t>
+            </a:r>
+          </a:p>
+        </p:txBody>
+      </p:sp>
+      <p:pic>
+        <p:nvPicPr>
+          <p:cNvPr id="8" name="Picture 2">
+            <a:extLst>
+              <a:ext uri="{FF2B5EF4-FFF2-40B4-BE49-F238E27FC236}">
+                <a16:creationId xmlns:a16="http://schemas.microsoft.com/office/drawing/2014/main" id="{C9EB6110-9751-499B-AE7F-2E0B279D1B00}"/>
+              </a:ext>
+            </a:extLst>
+          </p:cNvPr>
+          <p:cNvPicPr>
+            <a:picLocks noChangeAspect="1" noChangeArrowheads="1"/>
+          </p:cNvPicPr>
+          <p:nvPr/>
+        </p:nvPicPr>
+        <p:blipFill rotWithShape="1">
+          <a:blip r:embed="rId3">
+            <a:extLst>
+              <a:ext uri="{28A0092B-C50C-407E-A947-70E740481C1C}">
+                <a14:useLocalDpi xmlns:a14="http://schemas.microsoft.com/office/drawing/2010/main" val="0"/>
+              </a:ext>
+            </a:extLst>
+          </a:blip>
+          <a:srcRect t="-3934" r="44145" b="3934"/>
+          <a:stretch/>
+        </p:blipFill>
+        <p:spPr bwMode="auto">
+          <a:xfrm>
+            <a:off x="467810" y="1690688"/>
+            <a:ext cx="2246747" cy="1666517"/>
+          </a:xfrm>
+          <a:prstGeom prst="rect">
+            <a:avLst/>
+          </a:prstGeom>
+          <a:noFill/>
+          <a:extLst>
+            <a:ext uri="{909E8E84-426E-40DD-AFC4-6F175D3DCCD1}">
+              <a14:hiddenFill xmlns:a14="http://schemas.microsoft.com/office/drawing/2010/main">
+                <a:solidFill>
+                  <a:srgbClr val="FFFFFF"/>
+                </a:solidFill>
+              </a14:hiddenFill>
+            </a:ext>
+          </a:extLst>
+        </p:spPr>
+      </p:pic>
     </p:spTree>
     <p:extLst>
       <p:ext uri="{BB962C8B-B14F-4D97-AF65-F5344CB8AC3E}">
-        <p14:creationId xmlns:p14="http://schemas.microsoft.com/office/powerpoint/2010/main" val="1891544768"/>
+        <p14:creationId xmlns:p14="http://schemas.microsoft.com/office/powerpoint/2010/main" val="4193633877"/>
       </p:ext>
     </p:extLst>
   </p:cSld>
@@ -4492,7 +4984,7 @@
           <p:cNvPr id="2" name="Title 1">
             <a:extLst>
               <a:ext uri="{FF2B5EF4-FFF2-40B4-BE49-F238E27FC236}">
-                <a16:creationId xmlns:a16="http://schemas.microsoft.com/office/drawing/2014/main" id="{2FF03005-F92E-442C-8108-03BD3A5E72F3}"/>
+                <a16:creationId xmlns:a16="http://schemas.microsoft.com/office/drawing/2014/main" id="{E884D71B-E903-4925-9F7A-2F5D0F767846}"/>
               </a:ext>
             </a:extLst>
           </p:cNvPr>
@@ -4503,7 +4995,12 @@
             <p:ph type="title"/>
           </p:nvPr>
         </p:nvSpPr>
-        <p:spPr/>
+        <p:spPr>
+          <a:xfrm>
+            <a:off x="838200" y="365125"/>
+            <a:ext cx="10515600" cy="1325563"/>
+          </a:xfrm>
+        </p:spPr>
         <p:txBody>
           <a:bodyPr>
             <a:normAutofit/>
@@ -4512,15 +5009,147 @@
           <a:p>
             <a:r>
               <a:rPr lang="en-US" sz="2800" dirty="0"/>
-              <a:t>Questions?</a:t>
-            </a:r>
-          </a:p>
-        </p:txBody>
-      </p:sp>
+              <a:t>Analysis: Does time of year have any relationship to evictions?</a:t>
+            </a:r>
+          </a:p>
+        </p:txBody>
+      </p:sp>
+      <p:sp>
+        <p:nvSpPr>
+          <p:cNvPr id="3" name="Content Placeholder 2">
+            <a:extLst>
+              <a:ext uri="{FF2B5EF4-FFF2-40B4-BE49-F238E27FC236}">
+                <a16:creationId xmlns:a16="http://schemas.microsoft.com/office/drawing/2014/main" id="{46C4ED01-BE9E-463A-8796-7FDB392FE6FD}"/>
+              </a:ext>
+            </a:extLst>
+          </p:cNvPr>
+          <p:cNvSpPr>
+            <a:spLocks noGrp="1"/>
+          </p:cNvSpPr>
+          <p:nvPr>
+            <p:ph idx="1"/>
+          </p:nvPr>
+        </p:nvSpPr>
+        <p:spPr>
+          <a:xfrm>
+            <a:off x="259465" y="1277917"/>
+            <a:ext cx="10515600" cy="412771"/>
+          </a:xfrm>
+        </p:spPr>
+        <p:txBody>
+          <a:bodyPr>
+            <a:normAutofit/>
+          </a:bodyPr>
+          <a:lstStyle/>
+          <a:p>
+            <a:pPr marL="0" indent="0" algn="ctr">
+              <a:buNone/>
+            </a:pPr>
+            <a:r>
+              <a:rPr lang="en-US" sz="2000" i="1" dirty="0"/>
+              <a:t>Evictions are highest at the outset of a year; they decrease as the year closes</a:t>
+            </a:r>
+          </a:p>
+        </p:txBody>
+      </p:sp>
+      <p:pic>
+        <p:nvPicPr>
+          <p:cNvPr id="4098" name="Picture 2">
+            <a:extLst>
+              <a:ext uri="{FF2B5EF4-FFF2-40B4-BE49-F238E27FC236}">
+                <a16:creationId xmlns:a16="http://schemas.microsoft.com/office/drawing/2014/main" id="{A92EA952-A48F-4EDA-8796-A45EDCA94BE0}"/>
+              </a:ext>
+            </a:extLst>
+          </p:cNvPr>
+          <p:cNvPicPr>
+            <a:picLocks noChangeAspect="1" noChangeArrowheads="1"/>
+          </p:cNvPicPr>
+          <p:nvPr/>
+        </p:nvPicPr>
+        <p:blipFill>
+          <a:blip r:embed="rId2">
+            <a:extLst>
+              <a:ext uri="{28A0092B-C50C-407E-A947-70E740481C1C}">
+                <a14:useLocalDpi xmlns:a14="http://schemas.microsoft.com/office/drawing/2010/main" val="0"/>
+              </a:ext>
+            </a:extLst>
+          </a:blip>
+          <a:srcRect/>
+          <a:stretch>
+            <a:fillRect/>
+          </a:stretch>
+        </p:blipFill>
+        <p:spPr bwMode="auto">
+          <a:xfrm>
+            <a:off x="350255" y="2080731"/>
+            <a:ext cx="5306990" cy="4145261"/>
+          </a:xfrm>
+          <a:prstGeom prst="rect">
+            <a:avLst/>
+          </a:prstGeom>
+          <a:noFill/>
+          <a:extLst>
+            <a:ext uri="{909E8E84-426E-40DD-AFC4-6F175D3DCCD1}">
+              <a14:hiddenFill xmlns:a14="http://schemas.microsoft.com/office/drawing/2010/main">
+                <a:solidFill>
+                  <a:srgbClr val="FFFFFF"/>
+                </a:solidFill>
+              </a14:hiddenFill>
+            </a:ext>
+          </a:extLst>
+        </p:spPr>
+      </p:pic>
+      <p:pic>
+        <p:nvPicPr>
+          <p:cNvPr id="4100" name="Picture 4">
+            <a:extLst>
+              <a:ext uri="{FF2B5EF4-FFF2-40B4-BE49-F238E27FC236}">
+                <a16:creationId xmlns:a16="http://schemas.microsoft.com/office/drawing/2014/main" id="{565FD39C-685A-4E70-B2B4-62C0488826DF}"/>
+              </a:ext>
+            </a:extLst>
+          </p:cNvPr>
+          <p:cNvPicPr>
+            <a:picLocks noChangeAspect="1" noChangeArrowheads="1"/>
+          </p:cNvPicPr>
+          <p:nvPr/>
+        </p:nvPicPr>
+        <p:blipFill>
+          <a:blip r:embed="rId3">
+            <a:extLst>
+              <a:ext uri="{28A0092B-C50C-407E-A947-70E740481C1C}">
+                <a14:useLocalDpi xmlns:a14="http://schemas.microsoft.com/office/drawing/2010/main" val="0"/>
+              </a:ext>
+            </a:extLst>
+          </a:blip>
+          <a:srcRect/>
+          <a:stretch>
+            <a:fillRect/>
+          </a:stretch>
+        </p:blipFill>
+        <p:spPr bwMode="auto">
+          <a:xfrm>
+            <a:off x="6139219" y="2012468"/>
+            <a:ext cx="5214581" cy="4145262"/>
+          </a:xfrm>
+          <a:prstGeom prst="rect">
+            <a:avLst/>
+          </a:prstGeom>
+          <a:noFill/>
+          <a:extLst>
+            <a:ext uri="{909E8E84-426E-40DD-AFC4-6F175D3DCCD1}">
+              <a14:hiddenFill xmlns:a14="http://schemas.microsoft.com/office/drawing/2010/main">
+                <a:solidFill>
+                  <a:srgbClr val="FFFFFF"/>
+                </a:solidFill>
+              </a14:hiddenFill>
+            </a:ext>
+          </a:extLst>
+        </p:spPr>
+      </p:pic>
     </p:spTree>
     <p:extLst>
       <p:ext uri="{BB962C8B-B14F-4D97-AF65-F5344CB8AC3E}">
-        <p14:creationId xmlns:p14="http://schemas.microsoft.com/office/powerpoint/2010/main" val="385391485"/>
+        <p14:creationId xmlns:p14="http://schemas.microsoft.com/office/powerpoint/2010/main" val="3838751265"/>
       </p:ext>
     </p:extLst>
   </p:cSld>
